--- a/Abschlusspräsentation.pptx
+++ b/Abschlusspräsentation.pptx
@@ -1213,7 +1213,7 @@
                 <a14:useLocalDpi xmlns:a14="http://schemas.microsoft.com/office/drawing/2010/main" val="0"/>
               </a:ext>
               <a:ext uri="{96DAC541-7B7A-43D3-8B79-37D633B846F1}">
-                <asvg:svgBlip xmlns="" xmlns:asvg="http://schemas.microsoft.com/office/drawing/2016/SVG/main" r:embed="rId2"/>
+                <asvg:svgBlip xmlns:asvg="http://schemas.microsoft.com/office/drawing/2016/SVG/main" xmlns="" r:embed="rId2"/>
               </a:ext>
             </a:extLst>
           </a:blip>
@@ -1279,7 +1279,7 @@
                 <a14:useLocalDpi xmlns:a14="http://schemas.microsoft.com/office/drawing/2010/main" val="0"/>
               </a:ext>
               <a:ext uri="{96DAC541-7B7A-43D3-8B79-37D633B846F1}">
-                <asvg:svgBlip xmlns="" xmlns:asvg="http://schemas.microsoft.com/office/drawing/2016/SVG/main" r:embed="rId4"/>
+                <asvg:svgBlip xmlns:asvg="http://schemas.microsoft.com/office/drawing/2016/SVG/main" xmlns="" r:embed="rId4"/>
               </a:ext>
             </a:extLst>
           </a:blip>
@@ -1412,7 +1412,7 @@
                 <a14:useLocalDpi xmlns:a14="http://schemas.microsoft.com/office/drawing/2010/main" val="0"/>
               </a:ext>
               <a:ext uri="{96DAC541-7B7A-43D3-8B79-37D633B846F1}">
-                <asvg:svgBlip xmlns="" xmlns:asvg="http://schemas.microsoft.com/office/drawing/2016/SVG/main" r:embed="rId2"/>
+                <asvg:svgBlip xmlns:asvg="http://schemas.microsoft.com/office/drawing/2016/SVG/main" xmlns="" r:embed="rId2"/>
               </a:ext>
             </a:extLst>
           </a:blip>
@@ -1559,7 +1559,7 @@
                 <a14:useLocalDpi xmlns:a14="http://schemas.microsoft.com/office/drawing/2010/main" val="0"/>
               </a:ext>
               <a:ext uri="{96DAC541-7B7A-43D3-8B79-37D633B846F1}">
-                <asvg:svgBlip xmlns="" xmlns:asvg="http://schemas.microsoft.com/office/drawing/2016/SVG/main" r:embed="rId4"/>
+                <asvg:svgBlip xmlns:asvg="http://schemas.microsoft.com/office/drawing/2016/SVG/main" xmlns="" r:embed="rId4"/>
               </a:ext>
             </a:extLst>
           </a:blip>
@@ -1929,7 +1929,7 @@
   </dgm:layoutNode>
   <dgm:extLst>
     <a:ext uri="{68A01E43-0DF5-4B5B-8FA6-DAF915123BFB}">
-      <dgm1612:lstStyle xmlns="" xmlns:dgm1612="http://schemas.microsoft.com/office/drawing/2016/12/diagram">
+      <dgm1612:lstStyle xmlns:dgm1612="http://schemas.microsoft.com/office/drawing/2016/12/diagram" xmlns="">
         <a:lvl1pPr>
           <a:lnSpc>
             <a:spcPct val="100000"/>
@@ -9246,13 +9246,7 @@
       </p:grpSpPr>
       <p:sp>
         <p:nvSpPr>
-          <p:cNvPr id="2" name="Titel 1">
-            <a:extLst>
-              <a:ext uri="{FF2B5EF4-FFF2-40B4-BE49-F238E27FC236}">
-                <a16:creationId xmlns:a16="http://schemas.microsoft.com/office/drawing/2014/main" id="{7878BA07-AC67-7BA8-D39D-826FD6A33A41}"/>
-              </a:ext>
-            </a:extLst>
-          </p:cNvPr>
+          <p:cNvPr id="4" name="Titel 3"/>
           <p:cNvSpPr>
             <a:spLocks noGrp="1"/>
           </p:cNvSpPr>
@@ -9260,48 +9254,18 @@
             <p:ph type="ctrTitle"/>
           </p:nvPr>
         </p:nvSpPr>
-        <p:spPr>
-          <a:xfrm>
-            <a:off x="839738" y="457200"/>
-            <a:ext cx="10512524" cy="2388637"/>
-          </a:xfrm>
-        </p:spPr>
-        <p:txBody>
-          <a:bodyPr>
-            <a:normAutofit/>
-          </a:bodyPr>
-          <a:lstStyle/>
-          <a:p>
-            <a:r>
-              <a:rPr lang="de-DE" dirty="0"/>
-              <a:t>Interdisziplinäres Projekt</a:t>
-            </a:r>
-            <a:br>
-              <a:rPr lang="de-DE" dirty="0"/>
-            </a:br>
-            <a:r>
-              <a:rPr lang="de-DE" dirty="0"/>
-              <a:t/>
-            </a:r>
-            <a:br>
-              <a:rPr lang="de-DE" dirty="0"/>
-            </a:br>
-            <a:r>
-              <a:rPr lang="de-DE" dirty="0"/>
-              <a:t>Smart-Sensor-Information</a:t>
-            </a:r>
-          </a:p>
-        </p:txBody>
-      </p:sp>
-      <p:sp>
-        <p:nvSpPr>
-          <p:cNvPr id="3" name="Untertitel 2">
-            <a:extLst>
-              <a:ext uri="{FF2B5EF4-FFF2-40B4-BE49-F238E27FC236}">
-                <a16:creationId xmlns:a16="http://schemas.microsoft.com/office/drawing/2014/main" id="{0ADC09E6-5907-7357-FD0C-A6A9433BAA9F}"/>
-              </a:ext>
-            </a:extLst>
-          </p:cNvPr>
+        <p:spPr/>
+        <p:txBody>
+          <a:bodyPr/>
+          <a:lstStyle/>
+          <a:p>
+            <a:endParaRPr lang="de-DE" dirty="0"/>
+          </a:p>
+        </p:txBody>
+      </p:sp>
+      <p:sp>
+        <p:nvSpPr>
+          <p:cNvPr id="5" name="Untertitel 4"/>
           <p:cNvSpPr>
             <a:spLocks noGrp="1"/>
           </p:cNvSpPr>
@@ -9309,74 +9273,12 @@
             <p:ph type="subTitle" idx="1"/>
           </p:nvPr>
         </p:nvSpPr>
-        <p:spPr>
-          <a:xfrm>
-            <a:off x="839738" y="3783217"/>
-            <a:ext cx="3135914" cy="1947333"/>
-          </a:xfrm>
-        </p:spPr>
-        <p:txBody>
-          <a:bodyPr>
-            <a:normAutofit/>
-          </a:bodyPr>
-          <a:lstStyle/>
-          <a:p>
-            <a:r>
-              <a:rPr lang="de-DE" dirty="0">
-                <a:solidFill>
-                  <a:schemeClr val="tx1"/>
-                </a:solidFill>
-              </a:rPr>
-              <a:t>Abschlusspräsentation</a:t>
-            </a:r>
-          </a:p>
-          <a:p>
-            <a:r>
-              <a:rPr lang="de-DE" dirty="0">
-                <a:solidFill>
-                  <a:schemeClr val="tx1"/>
-                </a:solidFill>
-              </a:rPr>
-              <a:t/>
-            </a:r>
-            <a:br>
-              <a:rPr lang="de-DE" dirty="0">
-                <a:solidFill>
-                  <a:schemeClr val="tx1"/>
-                </a:solidFill>
-              </a:rPr>
-            </a:br>
-            <a:r>
-              <a:rPr lang="de-DE" dirty="0">
-                <a:solidFill>
-                  <a:schemeClr val="tx1"/>
-                </a:solidFill>
-              </a:rPr>
-              <a:t>Alex </a:t>
-            </a:r>
-            <a:r>
-              <a:rPr lang="de-DE" dirty="0" err="1">
-                <a:solidFill>
-                  <a:schemeClr val="tx1"/>
-                </a:solidFill>
-              </a:rPr>
-              <a:t>Djomo</a:t>
-            </a:r>
-            <a:endParaRPr lang="de-DE" dirty="0">
-              <a:solidFill>
-                <a:schemeClr val="tx1"/>
-              </a:solidFill>
-            </a:endParaRPr>
-          </a:p>
-          <a:p>
-            <a:r>
-              <a:rPr lang="de-DE" dirty="0">
-                <a:solidFill>
-                  <a:schemeClr val="tx1"/>
-                </a:solidFill>
-              </a:rPr>
-              <a:t>Welf Poser</a:t>
-            </a:r>
+        <p:spPr/>
+        <p:txBody>
+          <a:bodyPr/>
+          <a:lstStyle/>
+          <a:p>
+            <a:endParaRPr lang="de-DE"/>
           </a:p>
         </p:txBody>
       </p:sp>
@@ -9510,7 +9412,7 @@
           <a:blip r:embed="rId2">
             <a:extLst>
               <a:ext uri="{96DAC541-7B7A-43D3-8B79-37D633B846F1}">
-                <asvg:svgBlip xmlns="" xmlns:asvg="http://schemas.microsoft.com/office/drawing/2016/SVG/main" r:embed="rId3"/>
+                <asvg:svgBlip xmlns:asvg="http://schemas.microsoft.com/office/drawing/2016/SVG/main" xmlns="" r:embed="rId3"/>
               </a:ext>
             </a:extLst>
           </a:blip>
@@ -9581,7 +9483,7 @@
           <a:blip r:embed="rId4">
             <a:extLst>
               <a:ext uri="{96DAC541-7B7A-43D3-8B79-37D633B846F1}">
-                <asvg:svgBlip xmlns="" xmlns:asvg="http://schemas.microsoft.com/office/drawing/2016/SVG/main" r:embed="rId5"/>
+                <asvg:svgBlip xmlns:asvg="http://schemas.microsoft.com/office/drawing/2016/SVG/main" xmlns="" r:embed="rId5"/>
               </a:ext>
             </a:extLst>
           </a:blip>
@@ -9669,7 +9571,7 @@
           <a:blip r:embed="rId6">
             <a:extLst>
               <a:ext uri="{96DAC541-7B7A-43D3-8B79-37D633B846F1}">
-                <asvg:svgBlip xmlns="" xmlns:asvg="http://schemas.microsoft.com/office/drawing/2016/SVG/main" r:embed="rId7"/>
+                <asvg:svgBlip xmlns:asvg="http://schemas.microsoft.com/office/drawing/2016/SVG/main" xmlns="" r:embed="rId7"/>
               </a:ext>
             </a:extLst>
           </a:blip>
@@ -9841,7 +9743,7 @@
           <a:blip r:embed="rId2">
             <a:extLst>
               <a:ext uri="{96DAC541-7B7A-43D3-8B79-37D633B846F1}">
-                <asvg:svgBlip xmlns="" xmlns:asvg="http://schemas.microsoft.com/office/drawing/2016/SVG/main" r:embed="rId3"/>
+                <asvg:svgBlip xmlns:asvg="http://schemas.microsoft.com/office/drawing/2016/SVG/main" xmlns="" r:embed="rId3"/>
               </a:ext>
             </a:extLst>
           </a:blip>
@@ -9877,7 +9779,7 @@
           <a:blip r:embed="rId4">
             <a:extLst>
               <a:ext uri="{96DAC541-7B7A-43D3-8B79-37D633B846F1}">
-                <asvg:svgBlip xmlns="" xmlns:asvg="http://schemas.microsoft.com/office/drawing/2016/SVG/main" r:embed="rId5"/>
+                <asvg:svgBlip xmlns:asvg="http://schemas.microsoft.com/office/drawing/2016/SVG/main" xmlns="" r:embed="rId5"/>
               </a:ext>
             </a:extLst>
           </a:blip>
@@ -9913,7 +9815,7 @@
           <a:blip r:embed="rId6">
             <a:extLst>
               <a:ext uri="{96DAC541-7B7A-43D3-8B79-37D633B846F1}">
-                <asvg:svgBlip xmlns="" xmlns:asvg="http://schemas.microsoft.com/office/drawing/2016/SVG/main" r:embed="rId7"/>
+                <asvg:svgBlip xmlns:asvg="http://schemas.microsoft.com/office/drawing/2016/SVG/main" xmlns="" r:embed="rId7"/>
               </a:ext>
             </a:extLst>
           </a:blip>
@@ -10016,7 +9918,7 @@
             <a:blip r:embed="rId8">
               <a:extLst>
                 <a:ext uri="{96DAC541-7B7A-43D3-8B79-37D633B846F1}">
-                  <asvg:svgBlip xmlns="" xmlns:asvg="http://schemas.microsoft.com/office/drawing/2016/SVG/main" r:embed="rId9"/>
+                  <asvg:svgBlip xmlns:asvg="http://schemas.microsoft.com/office/drawing/2016/SVG/main" xmlns="" r:embed="rId9"/>
                 </a:ext>
               </a:extLst>
             </a:blip>
@@ -10050,7 +9952,7 @@
             <a:blip r:embed="rId8">
               <a:extLst>
                 <a:ext uri="{96DAC541-7B7A-43D3-8B79-37D633B846F1}">
-                  <asvg:svgBlip xmlns="" xmlns:asvg="http://schemas.microsoft.com/office/drawing/2016/SVG/main" r:embed="rId9"/>
+                  <asvg:svgBlip xmlns:asvg="http://schemas.microsoft.com/office/drawing/2016/SVG/main" xmlns="" r:embed="rId9"/>
                 </a:ext>
               </a:extLst>
             </a:blip>
@@ -10084,7 +9986,7 @@
             <a:blip r:embed="rId8">
               <a:extLst>
                 <a:ext uri="{96DAC541-7B7A-43D3-8B79-37D633B846F1}">
-                  <asvg:svgBlip xmlns="" xmlns:asvg="http://schemas.microsoft.com/office/drawing/2016/SVG/main" r:embed="rId9"/>
+                  <asvg:svgBlip xmlns:asvg="http://schemas.microsoft.com/office/drawing/2016/SVG/main" xmlns="" r:embed="rId9"/>
                 </a:ext>
               </a:extLst>
             </a:blip>
@@ -10118,7 +10020,7 @@
             <a:blip r:embed="rId8">
               <a:extLst>
                 <a:ext uri="{96DAC541-7B7A-43D3-8B79-37D633B846F1}">
-                  <asvg:svgBlip xmlns="" xmlns:asvg="http://schemas.microsoft.com/office/drawing/2016/SVG/main" r:embed="rId9"/>
+                  <asvg:svgBlip xmlns:asvg="http://schemas.microsoft.com/office/drawing/2016/SVG/main" xmlns="" r:embed="rId9"/>
                 </a:ext>
               </a:extLst>
             </a:blip>
@@ -10152,7 +10054,7 @@
             <a:blip r:embed="rId10">
               <a:extLst>
                 <a:ext uri="{96DAC541-7B7A-43D3-8B79-37D633B846F1}">
-                  <asvg:svgBlip xmlns="" xmlns:asvg="http://schemas.microsoft.com/office/drawing/2016/SVG/main" r:embed="rId11"/>
+                  <asvg:svgBlip xmlns:asvg="http://schemas.microsoft.com/office/drawing/2016/SVG/main" xmlns="" r:embed="rId11"/>
                 </a:ext>
               </a:extLst>
             </a:blip>
@@ -10186,7 +10088,7 @@
             <a:blip r:embed="rId10">
               <a:extLst>
                 <a:ext uri="{96DAC541-7B7A-43D3-8B79-37D633B846F1}">
-                  <asvg:svgBlip xmlns="" xmlns:asvg="http://schemas.microsoft.com/office/drawing/2016/SVG/main" r:embed="rId11"/>
+                  <asvg:svgBlip xmlns:asvg="http://schemas.microsoft.com/office/drawing/2016/SVG/main" xmlns="" r:embed="rId11"/>
                 </a:ext>
               </a:extLst>
             </a:blip>
@@ -10220,7 +10122,7 @@
             <a:blip r:embed="rId10">
               <a:extLst>
                 <a:ext uri="{96DAC541-7B7A-43D3-8B79-37D633B846F1}">
-                  <asvg:svgBlip xmlns="" xmlns:asvg="http://schemas.microsoft.com/office/drawing/2016/SVG/main" r:embed="rId11"/>
+                  <asvg:svgBlip xmlns:asvg="http://schemas.microsoft.com/office/drawing/2016/SVG/main" xmlns="" r:embed="rId11"/>
                 </a:ext>
               </a:extLst>
             </a:blip>
@@ -10254,7 +10156,7 @@
             <a:blip r:embed="rId10">
               <a:extLst>
                 <a:ext uri="{96DAC541-7B7A-43D3-8B79-37D633B846F1}">
-                  <asvg:svgBlip xmlns="" xmlns:asvg="http://schemas.microsoft.com/office/drawing/2016/SVG/main" r:embed="rId11"/>
+                  <asvg:svgBlip xmlns:asvg="http://schemas.microsoft.com/office/drawing/2016/SVG/main" xmlns="" r:embed="rId11"/>
                 </a:ext>
               </a:extLst>
             </a:blip>
@@ -10291,7 +10193,7 @@
           <a:blip r:embed="rId12">
             <a:extLst>
               <a:ext uri="{96DAC541-7B7A-43D3-8B79-37D633B846F1}">
-                <asvg:svgBlip xmlns="" xmlns:asvg="http://schemas.microsoft.com/office/drawing/2016/SVG/main" r:embed="rId13"/>
+                <asvg:svgBlip xmlns:asvg="http://schemas.microsoft.com/office/drawing/2016/SVG/main" xmlns="" r:embed="rId13"/>
               </a:ext>
             </a:extLst>
           </a:blip>
@@ -11153,12 +11055,20 @@
               <a:buChar char="v"/>
             </a:pPr>
             <a:r>
+              <a:rPr lang="de-DE" sz="3600" smtClean="0">
+                <a:solidFill>
+                  <a:schemeClr val="tx1"/>
+                </a:solidFill>
+              </a:rPr>
+              <a:t>Vorstellung der </a:t>
+            </a:r>
+            <a:r>
               <a:rPr lang="de-DE" sz="3600" dirty="0">
                 <a:solidFill>
                   <a:schemeClr val="tx1"/>
                 </a:solidFill>
               </a:rPr>
-              <a:t>Vorstellung der Analyseergebnisse</a:t>
+              <a:t>Analyseergebnisse</a:t>
             </a:r>
           </a:p>
           <a:p>
@@ -12690,7 +12600,7 @@
             <a:blip r:embed="rId2">
               <a:extLst>
                 <a:ext uri="{96DAC541-7B7A-43D3-8B79-37D633B846F1}">
-                  <asvg:svgBlip xmlns="" xmlns:asvg="http://schemas.microsoft.com/office/drawing/2016/SVG/main" r:embed="rId9"/>
+                  <asvg:svgBlip xmlns:asvg="http://schemas.microsoft.com/office/drawing/2016/SVG/main" xmlns="" r:embed="rId9"/>
                 </a:ext>
               </a:extLst>
             </a:blip>
@@ -12724,7 +12634,7 @@
             <a:blip r:embed="rId2">
               <a:extLst>
                 <a:ext uri="{96DAC541-7B7A-43D3-8B79-37D633B846F1}">
-                  <asvg:svgBlip xmlns="" xmlns:asvg="http://schemas.microsoft.com/office/drawing/2016/SVG/main" r:embed="rId9"/>
+                  <asvg:svgBlip xmlns:asvg="http://schemas.microsoft.com/office/drawing/2016/SVG/main" xmlns="" r:embed="rId9"/>
                 </a:ext>
               </a:extLst>
             </a:blip>
@@ -12758,7 +12668,7 @@
             <a:blip r:embed="rId2">
               <a:extLst>
                 <a:ext uri="{96DAC541-7B7A-43D3-8B79-37D633B846F1}">
-                  <asvg:svgBlip xmlns="" xmlns:asvg="http://schemas.microsoft.com/office/drawing/2016/SVG/main" r:embed="rId9"/>
+                  <asvg:svgBlip xmlns:asvg="http://schemas.microsoft.com/office/drawing/2016/SVG/main" xmlns="" r:embed="rId9"/>
                 </a:ext>
               </a:extLst>
             </a:blip>
@@ -12792,7 +12702,7 @@
             <a:blip r:embed="rId2">
               <a:extLst>
                 <a:ext uri="{96DAC541-7B7A-43D3-8B79-37D633B846F1}">
-                  <asvg:svgBlip xmlns="" xmlns:asvg="http://schemas.microsoft.com/office/drawing/2016/SVG/main" r:embed="rId9"/>
+                  <asvg:svgBlip xmlns:asvg="http://schemas.microsoft.com/office/drawing/2016/SVG/main" xmlns="" r:embed="rId9"/>
                 </a:ext>
               </a:extLst>
             </a:blip>
@@ -12826,7 +12736,7 @@
             <a:blip r:embed="rId10">
               <a:extLst>
                 <a:ext uri="{96DAC541-7B7A-43D3-8B79-37D633B846F1}">
-                  <asvg:svgBlip xmlns="" xmlns:asvg="http://schemas.microsoft.com/office/drawing/2016/SVG/main" r:embed="rId11"/>
+                  <asvg:svgBlip xmlns:asvg="http://schemas.microsoft.com/office/drawing/2016/SVG/main" xmlns="" r:embed="rId11"/>
                 </a:ext>
               </a:extLst>
             </a:blip>
@@ -12860,7 +12770,7 @@
             <a:blip r:embed="rId10">
               <a:extLst>
                 <a:ext uri="{96DAC541-7B7A-43D3-8B79-37D633B846F1}">
-                  <asvg:svgBlip xmlns="" xmlns:asvg="http://schemas.microsoft.com/office/drawing/2016/SVG/main" r:embed="rId11"/>
+                  <asvg:svgBlip xmlns:asvg="http://schemas.microsoft.com/office/drawing/2016/SVG/main" xmlns="" r:embed="rId11"/>
                 </a:ext>
               </a:extLst>
             </a:blip>
@@ -12894,7 +12804,7 @@
             <a:blip r:embed="rId10">
               <a:extLst>
                 <a:ext uri="{96DAC541-7B7A-43D3-8B79-37D633B846F1}">
-                  <asvg:svgBlip xmlns="" xmlns:asvg="http://schemas.microsoft.com/office/drawing/2016/SVG/main" r:embed="rId11"/>
+                  <asvg:svgBlip xmlns:asvg="http://schemas.microsoft.com/office/drawing/2016/SVG/main" xmlns="" r:embed="rId11"/>
                 </a:ext>
               </a:extLst>
             </a:blip>
@@ -12928,7 +12838,7 @@
             <a:blip r:embed="rId10">
               <a:extLst>
                 <a:ext uri="{96DAC541-7B7A-43D3-8B79-37D633B846F1}">
-                  <asvg:svgBlip xmlns="" xmlns:asvg="http://schemas.microsoft.com/office/drawing/2016/SVG/main" r:embed="rId11"/>
+                  <asvg:svgBlip xmlns:asvg="http://schemas.microsoft.com/office/drawing/2016/SVG/main" xmlns="" r:embed="rId11"/>
                 </a:ext>
               </a:extLst>
             </a:blip>
@@ -12998,7 +12908,7 @@
           <a:blip r:embed="rId12">
             <a:extLst>
               <a:ext uri="{96DAC541-7B7A-43D3-8B79-37D633B846F1}">
-                <asvg:svgBlip xmlns="" xmlns:asvg="http://schemas.microsoft.com/office/drawing/2016/SVG/main" r:embed="rId3"/>
+                <asvg:svgBlip xmlns:asvg="http://schemas.microsoft.com/office/drawing/2016/SVG/main" xmlns="" r:embed="rId3"/>
               </a:ext>
             </a:extLst>
           </a:blip>
@@ -13054,7 +12964,7 @@
             <a:blip r:embed="rId13">
               <a:extLst>
                 <a:ext uri="{96DAC541-7B7A-43D3-8B79-37D633B846F1}">
-                  <asvg:svgBlip xmlns="" xmlns:asvg="http://schemas.microsoft.com/office/drawing/2016/SVG/main" r:embed="rId5"/>
+                  <asvg:svgBlip xmlns:asvg="http://schemas.microsoft.com/office/drawing/2016/SVG/main" xmlns="" r:embed="rId5"/>
                 </a:ext>
               </a:extLst>
             </a:blip>
@@ -13090,7 +13000,7 @@
             <a:blip r:embed="rId14">
               <a:extLst>
                 <a:ext uri="{96DAC541-7B7A-43D3-8B79-37D633B846F1}">
-                  <asvg:svgBlip xmlns="" xmlns:asvg="http://schemas.microsoft.com/office/drawing/2016/SVG/main" r:embed="rId7"/>
+                  <asvg:svgBlip xmlns:asvg="http://schemas.microsoft.com/office/drawing/2016/SVG/main" xmlns="" r:embed="rId7"/>
                 </a:ext>
               </a:extLst>
             </a:blip>
@@ -13524,7 +13434,7 @@
             <a:blip r:embed="rId2">
               <a:extLst>
                 <a:ext uri="{96DAC541-7B7A-43D3-8B79-37D633B846F1}">
-                  <asvg:svgBlip xmlns="" xmlns:asvg="http://schemas.microsoft.com/office/drawing/2016/SVG/main" r:embed="rId9"/>
+                  <asvg:svgBlip xmlns:asvg="http://schemas.microsoft.com/office/drawing/2016/SVG/main" xmlns="" r:embed="rId9"/>
                 </a:ext>
               </a:extLst>
             </a:blip>
@@ -13558,7 +13468,7 @@
             <a:blip r:embed="rId2">
               <a:extLst>
                 <a:ext uri="{96DAC541-7B7A-43D3-8B79-37D633B846F1}">
-                  <asvg:svgBlip xmlns="" xmlns:asvg="http://schemas.microsoft.com/office/drawing/2016/SVG/main" r:embed="rId9"/>
+                  <asvg:svgBlip xmlns:asvg="http://schemas.microsoft.com/office/drawing/2016/SVG/main" xmlns="" r:embed="rId9"/>
                 </a:ext>
               </a:extLst>
             </a:blip>
@@ -13592,7 +13502,7 @@
             <a:blip r:embed="rId2">
               <a:extLst>
                 <a:ext uri="{96DAC541-7B7A-43D3-8B79-37D633B846F1}">
-                  <asvg:svgBlip xmlns="" xmlns:asvg="http://schemas.microsoft.com/office/drawing/2016/SVG/main" r:embed="rId9"/>
+                  <asvg:svgBlip xmlns:asvg="http://schemas.microsoft.com/office/drawing/2016/SVG/main" xmlns="" r:embed="rId9"/>
                 </a:ext>
               </a:extLst>
             </a:blip>
@@ -13626,7 +13536,7 @@
             <a:blip r:embed="rId2">
               <a:extLst>
                 <a:ext uri="{96DAC541-7B7A-43D3-8B79-37D633B846F1}">
-                  <asvg:svgBlip xmlns="" xmlns:asvg="http://schemas.microsoft.com/office/drawing/2016/SVG/main" r:embed="rId9"/>
+                  <asvg:svgBlip xmlns:asvg="http://schemas.microsoft.com/office/drawing/2016/SVG/main" xmlns="" r:embed="rId9"/>
                 </a:ext>
               </a:extLst>
             </a:blip>
@@ -13660,7 +13570,7 @@
             <a:blip r:embed="rId10">
               <a:extLst>
                 <a:ext uri="{96DAC541-7B7A-43D3-8B79-37D633B846F1}">
-                  <asvg:svgBlip xmlns="" xmlns:asvg="http://schemas.microsoft.com/office/drawing/2016/SVG/main" r:embed="rId11"/>
+                  <asvg:svgBlip xmlns:asvg="http://schemas.microsoft.com/office/drawing/2016/SVG/main" xmlns="" r:embed="rId11"/>
                 </a:ext>
               </a:extLst>
             </a:blip>
@@ -13694,7 +13604,7 @@
             <a:blip r:embed="rId10">
               <a:extLst>
                 <a:ext uri="{96DAC541-7B7A-43D3-8B79-37D633B846F1}">
-                  <asvg:svgBlip xmlns="" xmlns:asvg="http://schemas.microsoft.com/office/drawing/2016/SVG/main" r:embed="rId11"/>
+                  <asvg:svgBlip xmlns:asvg="http://schemas.microsoft.com/office/drawing/2016/SVG/main" xmlns="" r:embed="rId11"/>
                 </a:ext>
               </a:extLst>
             </a:blip>
@@ -13728,7 +13638,7 @@
             <a:blip r:embed="rId10">
               <a:extLst>
                 <a:ext uri="{96DAC541-7B7A-43D3-8B79-37D633B846F1}">
-                  <asvg:svgBlip xmlns="" xmlns:asvg="http://schemas.microsoft.com/office/drawing/2016/SVG/main" r:embed="rId11"/>
+                  <asvg:svgBlip xmlns:asvg="http://schemas.microsoft.com/office/drawing/2016/SVG/main" xmlns="" r:embed="rId11"/>
                 </a:ext>
               </a:extLst>
             </a:blip>
@@ -13762,7 +13672,7 @@
             <a:blip r:embed="rId10">
               <a:extLst>
                 <a:ext uri="{96DAC541-7B7A-43D3-8B79-37D633B846F1}">
-                  <asvg:svgBlip xmlns="" xmlns:asvg="http://schemas.microsoft.com/office/drawing/2016/SVG/main" r:embed="rId11"/>
+                  <asvg:svgBlip xmlns:asvg="http://schemas.microsoft.com/office/drawing/2016/SVG/main" xmlns="" r:embed="rId11"/>
                 </a:ext>
               </a:extLst>
             </a:blip>
@@ -15432,7 +15342,7 @@
           <a:blip r:embed="rId2">
             <a:extLst>
               <a:ext uri="{96DAC541-7B7A-43D3-8B79-37D633B846F1}">
-                <asvg:svgBlip xmlns="" xmlns:asvg="http://schemas.microsoft.com/office/drawing/2016/SVG/main" r:embed="rId3"/>
+                <asvg:svgBlip xmlns:asvg="http://schemas.microsoft.com/office/drawing/2016/SVG/main" xmlns="" r:embed="rId3"/>
               </a:ext>
             </a:extLst>
           </a:blip>
@@ -16000,7 +15910,7 @@
           <a:blip r:embed="rId3">
             <a:extLst>
               <a:ext uri="{96DAC541-7B7A-43D3-8B79-37D633B846F1}">
-                <asvg:svgBlip xmlns="" xmlns:asvg="http://schemas.microsoft.com/office/drawing/2016/SVG/main" r:embed="rId4"/>
+                <asvg:svgBlip xmlns:asvg="http://schemas.microsoft.com/office/drawing/2016/SVG/main" xmlns="" r:embed="rId4"/>
               </a:ext>
             </a:extLst>
           </a:blip>
@@ -16056,7 +15966,7 @@
             <a:blip r:embed="rId5">
               <a:extLst>
                 <a:ext uri="{96DAC541-7B7A-43D3-8B79-37D633B846F1}">
-                  <asvg:svgBlip xmlns="" xmlns:asvg="http://schemas.microsoft.com/office/drawing/2016/SVG/main" r:embed="rId6"/>
+                  <asvg:svgBlip xmlns:asvg="http://schemas.microsoft.com/office/drawing/2016/SVG/main" xmlns="" r:embed="rId6"/>
                 </a:ext>
               </a:extLst>
             </a:blip>
@@ -16092,7 +16002,7 @@
             <a:blip r:embed="rId7">
               <a:extLst>
                 <a:ext uri="{96DAC541-7B7A-43D3-8B79-37D633B846F1}">
-                  <asvg:svgBlip xmlns="" xmlns:asvg="http://schemas.microsoft.com/office/drawing/2016/SVG/main" r:embed="rId8"/>
+                  <asvg:svgBlip xmlns:asvg="http://schemas.microsoft.com/office/drawing/2016/SVG/main" xmlns="" r:embed="rId8"/>
                 </a:ext>
               </a:extLst>
             </a:blip>
@@ -16233,7 +16143,7 @@
           <a:blip r:embed="rId9">
             <a:extLst>
               <a:ext uri="{96DAC541-7B7A-43D3-8B79-37D633B846F1}">
-                <asvg:svgBlip xmlns="" xmlns:asvg="http://schemas.microsoft.com/office/drawing/2016/SVG/main" r:embed="rId10"/>
+                <asvg:svgBlip xmlns:asvg="http://schemas.microsoft.com/office/drawing/2016/SVG/main" xmlns="" r:embed="rId10"/>
               </a:ext>
             </a:extLst>
           </a:blip>
@@ -16269,7 +16179,7 @@
           <a:blip r:embed="rId11">
             <a:extLst>
               <a:ext uri="{96DAC541-7B7A-43D3-8B79-37D633B846F1}">
-                <asvg:svgBlip xmlns="" xmlns:asvg="http://schemas.microsoft.com/office/drawing/2016/SVG/main" r:embed="rId12"/>
+                <asvg:svgBlip xmlns:asvg="http://schemas.microsoft.com/office/drawing/2016/SVG/main" xmlns="" r:embed="rId12"/>
               </a:ext>
             </a:extLst>
           </a:blip>
@@ -16305,7 +16215,7 @@
           <a:blip r:embed="rId13">
             <a:extLst>
               <a:ext uri="{96DAC541-7B7A-43D3-8B79-37D633B846F1}">
-                <asvg:svgBlip xmlns="" xmlns:asvg="http://schemas.microsoft.com/office/drawing/2016/SVG/main" r:embed="rId14"/>
+                <asvg:svgBlip xmlns:asvg="http://schemas.microsoft.com/office/drawing/2016/SVG/main" xmlns="" r:embed="rId14"/>
               </a:ext>
             </a:extLst>
           </a:blip>
@@ -16477,7 +16387,7 @@
                 <a16:creationId xmlns:a16="http://schemas.microsoft.com/office/drawing/2014/main" id="{2C33F367-76E5-4D2A-96B1-4FD443CDD1CF}"/>
               </a:ext>
               <a:ext uri="{C183D7F6-B498-43B3-948B-1728B52AA6E4}">
-                <adec:decorative xmlns="" xmlns:adec="http://schemas.microsoft.com/office/drawing/2017/decorative" val="1"/>
+                <adec:decorative xmlns:adec="http://schemas.microsoft.com/office/drawing/2017/decorative" xmlns="" val="1"/>
               </a:ext>
             </a:extLst>
           </p:cNvPr>
@@ -16557,7 +16467,7 @@
                 <a16:creationId xmlns:a16="http://schemas.microsoft.com/office/drawing/2014/main" id="{6F769419-3E73-449D-B62A-0CDEC946A679}"/>
               </a:ext>
               <a:ext uri="{C183D7F6-B498-43B3-948B-1728B52AA6E4}">
-                <adec:decorative xmlns="" xmlns:adec="http://schemas.microsoft.com/office/drawing/2017/decorative" val="1"/>
+                <adec:decorative xmlns:adec="http://schemas.microsoft.com/office/drawing/2017/decorative" xmlns="" val="1"/>
               </a:ext>
             </a:extLst>
           </p:cNvPr>
@@ -16626,7 +16536,7 @@
                 <a16:creationId xmlns:a16="http://schemas.microsoft.com/office/drawing/2014/main" id="{A6515200-42F9-488F-9895-6CDBCD1E87C8}"/>
               </a:ext>
               <a:ext uri="{C183D7F6-B498-43B3-948B-1728B52AA6E4}">
-                <adec:decorative xmlns="" xmlns:adec="http://schemas.microsoft.com/office/drawing/2017/decorative" val="1"/>
+                <adec:decorative xmlns:adec="http://schemas.microsoft.com/office/drawing/2017/decorative" xmlns="" val="1"/>
               </a:ext>
             </a:extLst>
           </p:cNvPr>
@@ -16657,7 +16567,7 @@
                   <a16:creationId xmlns:a16="http://schemas.microsoft.com/office/drawing/2014/main" id="{43185F0E-78D5-4C2D-9239-D3515B448837}"/>
                 </a:ext>
                 <a:ext uri="{C183D7F6-B498-43B3-948B-1728B52AA6E4}">
-                  <adec:decorative xmlns="" xmlns:adec="http://schemas.microsoft.com/office/drawing/2017/decorative" val="1"/>
+                  <adec:decorative xmlns:adec="http://schemas.microsoft.com/office/drawing/2017/decorative" xmlns="" val="1"/>
                 </a:ext>
               </a:extLst>
             </p:cNvPr>
@@ -16707,7 +16617,7 @@
                   <a16:creationId xmlns:a16="http://schemas.microsoft.com/office/drawing/2014/main" id="{D5BD9142-FF9C-4EED-A027-18D095481BB8}"/>
                 </a:ext>
                 <a:ext uri="{C183D7F6-B498-43B3-948B-1728B52AA6E4}">
-                  <adec:decorative xmlns="" xmlns:adec="http://schemas.microsoft.com/office/drawing/2017/decorative" val="1"/>
+                  <adec:decorative xmlns:adec="http://schemas.microsoft.com/office/drawing/2017/decorative" xmlns="" val="1"/>
                 </a:ext>
               </a:extLst>
             </p:cNvPr>
@@ -16757,7 +16667,7 @@
                   <a16:creationId xmlns:a16="http://schemas.microsoft.com/office/drawing/2014/main" id="{42F547D3-9752-4481-B3A8-50E08610B8EC}"/>
                 </a:ext>
                 <a:ext uri="{C183D7F6-B498-43B3-948B-1728B52AA6E4}">
-                  <adec:decorative xmlns="" xmlns:adec="http://schemas.microsoft.com/office/drawing/2017/decorative" val="1"/>
+                  <adec:decorative xmlns:adec="http://schemas.microsoft.com/office/drawing/2017/decorative" xmlns="" val="1"/>
                 </a:ext>
               </a:extLst>
             </p:cNvPr>
@@ -16807,7 +16717,7 @@
                   <a16:creationId xmlns:a16="http://schemas.microsoft.com/office/drawing/2014/main" id="{F1999C2F-3D0D-4813-9696-83630A6FEABD}"/>
                 </a:ext>
                 <a:ext uri="{C183D7F6-B498-43B3-948B-1728B52AA6E4}">
-                  <adec:decorative xmlns="" xmlns:adec="http://schemas.microsoft.com/office/drawing/2017/decorative" val="1"/>
+                  <adec:decorative xmlns:adec="http://schemas.microsoft.com/office/drawing/2017/decorative" xmlns="" val="1"/>
                 </a:ext>
               </a:extLst>
             </p:cNvPr>
@@ -16857,7 +16767,7 @@
                   <a16:creationId xmlns:a16="http://schemas.microsoft.com/office/drawing/2014/main" id="{EC737390-C9CA-456B-9F40-D7A76EA242E7}"/>
                 </a:ext>
                 <a:ext uri="{C183D7F6-B498-43B3-948B-1728B52AA6E4}">
-                  <adec:decorative xmlns="" xmlns:adec="http://schemas.microsoft.com/office/drawing/2017/decorative" val="1"/>
+                  <adec:decorative xmlns:adec="http://schemas.microsoft.com/office/drawing/2017/decorative" xmlns="" val="1"/>
                 </a:ext>
               </a:extLst>
             </p:cNvPr>
@@ -17416,7 +17326,7 @@
           <a:blip r:embed="rId3">
             <a:extLst>
               <a:ext uri="{96DAC541-7B7A-43D3-8B79-37D633B846F1}">
-                <asvg:svgBlip xmlns="" xmlns:asvg="http://schemas.microsoft.com/office/drawing/2016/SVG/main" r:embed="rId4"/>
+                <asvg:svgBlip xmlns:asvg="http://schemas.microsoft.com/office/drawing/2016/SVG/main" xmlns="" r:embed="rId4"/>
               </a:ext>
             </a:extLst>
           </a:blip>
@@ -17636,7 +17546,7 @@
           <a:blip r:embed="rId3">
             <a:extLst>
               <a:ext uri="{96DAC541-7B7A-43D3-8B79-37D633B846F1}">
-                <asvg:svgBlip xmlns="" xmlns:asvg="http://schemas.microsoft.com/office/drawing/2016/SVG/main" r:embed="rId4"/>
+                <asvg:svgBlip xmlns:asvg="http://schemas.microsoft.com/office/drawing/2016/SVG/main" xmlns="" r:embed="rId4"/>
               </a:ext>
             </a:extLst>
           </a:blip>
@@ -17859,7 +17769,7 @@
           <a:blip r:embed="rId2">
             <a:extLst>
               <a:ext uri="{96DAC541-7B7A-43D3-8B79-37D633B846F1}">
-                <asvg:svgBlip xmlns="" xmlns:asvg="http://schemas.microsoft.com/office/drawing/2016/SVG/main" r:embed="rId3"/>
+                <asvg:svgBlip xmlns:asvg="http://schemas.microsoft.com/office/drawing/2016/SVG/main" xmlns="" r:embed="rId3"/>
               </a:ext>
             </a:extLst>
           </a:blip>
@@ -18201,7 +18111,7 @@
           <a:blip r:embed="rId2">
             <a:extLst>
               <a:ext uri="{96DAC541-7B7A-43D3-8B79-37D633B846F1}">
-                <asvg:svgBlip xmlns="" xmlns:asvg="http://schemas.microsoft.com/office/drawing/2016/SVG/main" r:embed="rId3"/>
+                <asvg:svgBlip xmlns:asvg="http://schemas.microsoft.com/office/drawing/2016/SVG/main" xmlns="" r:embed="rId3"/>
               </a:ext>
             </a:extLst>
           </a:blip>
@@ -18363,7 +18273,7 @@
           <a:blip r:embed="rId2">
             <a:extLst>
               <a:ext uri="{96DAC541-7B7A-43D3-8B79-37D633B846F1}">
-                <asvg:svgBlip xmlns="" xmlns:asvg="http://schemas.microsoft.com/office/drawing/2016/SVG/main" r:embed="rId3"/>
+                <asvg:svgBlip xmlns:asvg="http://schemas.microsoft.com/office/drawing/2016/SVG/main" xmlns="" r:embed="rId3"/>
               </a:ext>
             </a:extLst>
           </a:blip>
@@ -18886,7 +18796,7 @@
           <a:blip r:embed="rId2">
             <a:extLst>
               <a:ext uri="{96DAC541-7B7A-43D3-8B79-37D633B846F1}">
-                <asvg:svgBlip xmlns="" xmlns:asvg="http://schemas.microsoft.com/office/drawing/2016/SVG/main" r:embed="rId3"/>
+                <asvg:svgBlip xmlns:asvg="http://schemas.microsoft.com/office/drawing/2016/SVG/main" xmlns="" r:embed="rId3"/>
               </a:ext>
             </a:extLst>
           </a:blip>
@@ -18922,7 +18832,7 @@
           <a:blip r:embed="rId4">
             <a:extLst>
               <a:ext uri="{96DAC541-7B7A-43D3-8B79-37D633B846F1}">
-                <asvg:svgBlip xmlns="" xmlns:asvg="http://schemas.microsoft.com/office/drawing/2016/SVG/main" r:embed="rId5"/>
+                <asvg:svgBlip xmlns:asvg="http://schemas.microsoft.com/office/drawing/2016/SVG/main" xmlns="" r:embed="rId5"/>
               </a:ext>
             </a:extLst>
           </a:blip>
